--- a/source/диплом.pptx
+++ b/source/диплом.pptx
@@ -9,13 +9,13 @@
   </p:notesMasterIdLst>
   <p:sldIdLst>
     <p:sldId id="256" r:id="rId2"/>
-    <p:sldId id="257" r:id="rId3"/>
-    <p:sldId id="258" r:id="rId4"/>
-    <p:sldId id="259" r:id="rId5"/>
-    <p:sldId id="260" r:id="rId6"/>
-    <p:sldId id="261" r:id="rId7"/>
-    <p:sldId id="262" r:id="rId8"/>
-    <p:sldId id="263" r:id="rId9"/>
+    <p:sldId id="264" r:id="rId3"/>
+    <p:sldId id="260" r:id="rId4"/>
+    <p:sldId id="257" r:id="rId5"/>
+    <p:sldId id="261" r:id="rId6"/>
+    <p:sldId id="258" r:id="rId7"/>
+    <p:sldId id="259" r:id="rId8"/>
+    <p:sldId id="265" r:id="rId9"/>
   </p:sldIdLst>
   <p:sldSz cx="12192000" cy="6858000"/>
   <p:notesSz cx="6858000" cy="9144000"/>
@@ -114,6 +114,11 @@
       </a:defRPr>
     </a:lvl9pPr>
   </p:defaultTextStyle>
+  <p:extLst>
+    <p:ext uri="{EFAFB233-063F-42B5-8137-9DF3F51BA10A}">
+      <p15:sldGuideLst xmlns:p15="http://schemas.microsoft.com/office/powerpoint/2012/main"/>
+    </p:ext>
+  </p:extLst>
 </p:presentation>
 </file>
 
@@ -199,7 +204,7 @@
           <a:p>
             <a:fld id="{C6E8AB8A-0A65-48A9-A38C-86D2E2E93D54}" type="datetimeFigureOut">
               <a:rPr lang="ru-RU" smtClean="0"/>
-              <a:t>15.02.2023</a:t>
+              <a:t>28.04.2023</a:t>
             </a:fld>
             <a:endParaRPr lang="ru-RU"/>
           </a:p>
@@ -465,90 +470,6 @@
     </a:lvl9pPr>
   </p:notesStyle>
 </p:notesMaster>
-</file>
-
-<file path=ppt/notesSlides/notesSlide1.xml><?xml version="1.0" encoding="utf-8"?>
-<p:notes xmlns:a="http://schemas.openxmlformats.org/drawingml/2006/main" xmlns:r="http://schemas.openxmlformats.org/officeDocument/2006/relationships" xmlns:p="http://schemas.openxmlformats.org/presentationml/2006/main">
-  <p:cSld>
-    <p:spTree>
-      <p:nvGrpSpPr>
-        <p:cNvPr id="1" name=""/>
-        <p:cNvGrpSpPr/>
-        <p:nvPr/>
-      </p:nvGrpSpPr>
-      <p:grpSpPr>
-        <a:xfrm>
-          <a:off x="0" y="0"/>
-          <a:ext cx="0" cy="0"/>
-          <a:chOff x="0" y="0"/>
-          <a:chExt cx="0" cy="0"/>
-        </a:xfrm>
-      </p:grpSpPr>
-      <p:sp>
-        <p:nvSpPr>
-          <p:cNvPr id="2" name="Образ слайда 1"/>
-          <p:cNvSpPr>
-            <a:spLocks noGrp="1" noRot="1" noChangeAspect="1"/>
-          </p:cNvSpPr>
-          <p:nvPr>
-            <p:ph type="sldImg"/>
-          </p:nvPr>
-        </p:nvSpPr>
-        <p:spPr/>
-      </p:sp>
-      <p:sp>
-        <p:nvSpPr>
-          <p:cNvPr id="3" name="Заметки 2"/>
-          <p:cNvSpPr>
-            <a:spLocks noGrp="1"/>
-          </p:cNvSpPr>
-          <p:nvPr>
-            <p:ph type="body" idx="1"/>
-          </p:nvPr>
-        </p:nvSpPr>
-        <p:spPr/>
-        <p:txBody>
-          <a:bodyPr/>
-          <a:lstStyle/>
-          <a:p>
-            <a:endParaRPr lang="ru-RU" dirty="0"/>
-          </a:p>
-        </p:txBody>
-      </p:sp>
-      <p:sp>
-        <p:nvSpPr>
-          <p:cNvPr id="4" name="Номер слайда 3"/>
-          <p:cNvSpPr>
-            <a:spLocks noGrp="1"/>
-          </p:cNvSpPr>
-          <p:nvPr>
-            <p:ph type="sldNum" sz="quarter" idx="10"/>
-          </p:nvPr>
-        </p:nvSpPr>
-        <p:spPr/>
-        <p:txBody>
-          <a:bodyPr/>
-          <a:lstStyle/>
-          <a:p>
-            <a:fld id="{6E66658E-04B2-4E85-A897-AD04E839B8B6}" type="slidenum">
-              <a:rPr lang="ru-RU" smtClean="0"/>
-              <a:t>7</a:t>
-            </a:fld>
-            <a:endParaRPr lang="ru-RU"/>
-          </a:p>
-        </p:txBody>
-      </p:sp>
-    </p:spTree>
-    <p:extLst>
-      <p:ext uri="{BB962C8B-B14F-4D97-AF65-F5344CB8AC3E}">
-        <p14:creationId xmlns:p14="http://schemas.microsoft.com/office/powerpoint/2010/main" val="3401577943"/>
-      </p:ext>
-    </p:extLst>
-  </p:cSld>
-  <p:clrMapOvr>
-    <a:masterClrMapping/>
-  </p:clrMapOvr>
-</p:notes>
 </file>
 
 <file path=ppt/slideLayouts/slideLayout1.xml><?xml version="1.0" encoding="utf-8"?>
@@ -1273,7 +1194,7 @@
           <a:p>
             <a:fld id="{F3C223A0-062E-4723-9BF3-D47FBE37251C}" type="datetimeFigureOut">
               <a:rPr lang="ru-RU" smtClean="0"/>
-              <a:t>15.02.2023</a:t>
+              <a:t>28.04.2023</a:t>
             </a:fld>
             <a:endParaRPr lang="ru-RU"/>
           </a:p>
@@ -1524,7 +1445,7 @@
           <a:p>
             <a:fld id="{F3C223A0-062E-4723-9BF3-D47FBE37251C}" type="datetimeFigureOut">
               <a:rPr lang="ru-RU" smtClean="0"/>
-              <a:t>15.02.2023</a:t>
+              <a:t>28.04.2023</a:t>
             </a:fld>
             <a:endParaRPr lang="ru-RU"/>
           </a:p>
@@ -1838,7 +1759,7 @@
           <a:p>
             <a:fld id="{F3C223A0-062E-4723-9BF3-D47FBE37251C}" type="datetimeFigureOut">
               <a:rPr lang="ru-RU" smtClean="0"/>
-              <a:t>15.02.2023</a:t>
+              <a:t>28.04.2023</a:t>
             </a:fld>
             <a:endParaRPr lang="ru-RU"/>
           </a:p>
@@ -2179,7 +2100,7 @@
           <a:p>
             <a:fld id="{F3C223A0-062E-4723-9BF3-D47FBE37251C}" type="datetimeFigureOut">
               <a:rPr lang="ru-RU" smtClean="0"/>
-              <a:t>15.02.2023</a:t>
+              <a:t>28.04.2023</a:t>
             </a:fld>
             <a:endParaRPr lang="ru-RU"/>
           </a:p>
@@ -2493,7 +2414,7 @@
           <a:p>
             <a:fld id="{F3C223A0-062E-4723-9BF3-D47FBE37251C}" type="datetimeFigureOut">
               <a:rPr lang="ru-RU" smtClean="0"/>
-              <a:t>15.02.2023</a:t>
+              <a:t>28.04.2023</a:t>
             </a:fld>
             <a:endParaRPr lang="ru-RU"/>
           </a:p>
@@ -2886,7 +2807,7 @@
           <a:p>
             <a:fld id="{F3C223A0-062E-4723-9BF3-D47FBE37251C}" type="datetimeFigureOut">
               <a:rPr lang="ru-RU" smtClean="0"/>
-              <a:t>15.02.2023</a:t>
+              <a:t>28.04.2023</a:t>
             </a:fld>
             <a:endParaRPr lang="ru-RU"/>
           </a:p>
@@ -3056,7 +2977,7 @@
           <a:p>
             <a:fld id="{F3C223A0-062E-4723-9BF3-D47FBE37251C}" type="datetimeFigureOut">
               <a:rPr lang="ru-RU" smtClean="0"/>
-              <a:t>15.02.2023</a:t>
+              <a:t>28.04.2023</a:t>
             </a:fld>
             <a:endParaRPr lang="ru-RU"/>
           </a:p>
@@ -3236,7 +3157,7 @@
           <a:p>
             <a:fld id="{F3C223A0-062E-4723-9BF3-D47FBE37251C}" type="datetimeFigureOut">
               <a:rPr lang="ru-RU" smtClean="0"/>
-              <a:t>15.02.2023</a:t>
+              <a:t>28.04.2023</a:t>
             </a:fld>
             <a:endParaRPr lang="ru-RU"/>
           </a:p>
@@ -3412,7 +3333,7 @@
           <a:p>
             <a:fld id="{F3C223A0-062E-4723-9BF3-D47FBE37251C}" type="datetimeFigureOut">
               <a:rPr lang="ru-RU" smtClean="0"/>
-              <a:t>15.02.2023</a:t>
+              <a:t>28.04.2023</a:t>
             </a:fld>
             <a:endParaRPr lang="ru-RU"/>
           </a:p>
@@ -3659,7 +3580,7 @@
           <a:p>
             <a:fld id="{F3C223A0-062E-4723-9BF3-D47FBE37251C}" type="datetimeFigureOut">
               <a:rPr lang="ru-RU" smtClean="0"/>
-              <a:t>15.02.2023</a:t>
+              <a:t>28.04.2023</a:t>
             </a:fld>
             <a:endParaRPr lang="ru-RU"/>
           </a:p>
@@ -3891,7 +3812,7 @@
           <a:p>
             <a:fld id="{F3C223A0-062E-4723-9BF3-D47FBE37251C}" type="datetimeFigureOut">
               <a:rPr lang="ru-RU" smtClean="0"/>
-              <a:t>15.02.2023</a:t>
+              <a:t>28.04.2023</a:t>
             </a:fld>
             <a:endParaRPr lang="ru-RU"/>
           </a:p>
@@ -4265,7 +4186,7 @@
           <a:p>
             <a:fld id="{F3C223A0-062E-4723-9BF3-D47FBE37251C}" type="datetimeFigureOut">
               <a:rPr lang="ru-RU" smtClean="0"/>
-              <a:t>15.02.2023</a:t>
+              <a:t>28.04.2023</a:t>
             </a:fld>
             <a:endParaRPr lang="ru-RU"/>
           </a:p>
@@ -4388,7 +4309,7 @@
           <a:p>
             <a:fld id="{F3C223A0-062E-4723-9BF3-D47FBE37251C}" type="datetimeFigureOut">
               <a:rPr lang="ru-RU" smtClean="0"/>
-              <a:t>15.02.2023</a:t>
+              <a:t>28.04.2023</a:t>
             </a:fld>
             <a:endParaRPr lang="ru-RU"/>
           </a:p>
@@ -4483,7 +4404,7 @@
           <a:p>
             <a:fld id="{F3C223A0-062E-4723-9BF3-D47FBE37251C}" type="datetimeFigureOut">
               <a:rPr lang="ru-RU" smtClean="0"/>
-              <a:t>15.02.2023</a:t>
+              <a:t>28.04.2023</a:t>
             </a:fld>
             <a:endParaRPr lang="ru-RU"/>
           </a:p>
@@ -4738,7 +4659,7 @@
           <a:p>
             <a:fld id="{F3C223A0-062E-4723-9BF3-D47FBE37251C}" type="datetimeFigureOut">
               <a:rPr lang="ru-RU" smtClean="0"/>
-              <a:t>15.02.2023</a:t>
+              <a:t>28.04.2023</a:t>
             </a:fld>
             <a:endParaRPr lang="ru-RU"/>
           </a:p>
@@ -5001,7 +4922,7 @@
           <a:p>
             <a:fld id="{F3C223A0-062E-4723-9BF3-D47FBE37251C}" type="datetimeFigureOut">
               <a:rPr lang="ru-RU" smtClean="0"/>
-              <a:t>15.02.2023</a:t>
+              <a:t>28.04.2023</a:t>
             </a:fld>
             <a:endParaRPr lang="ru-RU"/>
           </a:p>
@@ -5744,7 +5665,7 @@
           <a:p>
             <a:fld id="{F3C223A0-062E-4723-9BF3-D47FBE37251C}" type="datetimeFigureOut">
               <a:rPr lang="ru-RU" smtClean="0"/>
-              <a:t>15.02.2023</a:t>
+              <a:t>28.04.2023</a:t>
             </a:fld>
             <a:endParaRPr lang="ru-RU"/>
           </a:p>
@@ -6341,7 +6262,7 @@
           <a:p>
             <a:r>
               <a:rPr lang="ru-RU" dirty="0" smtClean="0"/>
-              <a:t>Описание</a:t>
+              <a:t>Зачем это нужно?</a:t>
             </a:r>
             <a:endParaRPr lang="ru-RU" dirty="0"/>
           </a:p>
@@ -6366,16 +6287,9 @@
               <a:buNone/>
             </a:pPr>
             <a:r>
-              <a:rPr lang="ru-RU" dirty="0"/>
-              <a:t>В приложение будет отображаться обычная карта, в ней будет выделен район в котором будет множество </a:t>
-            </a:r>
-            <a:r>
               <a:rPr lang="ru-RU" dirty="0" smtClean="0"/>
-              <a:t>квадратов, который содержит различные природные и почвенные характеристики. Также каждый квадрат будет обладать коэффициентом пригодности, который будет определяется через машинное обучение.</a:t>
-            </a:r>
-            <a:endParaRPr lang="ru-RU" dirty="0"/>
-          </a:p>
-          <a:p>
+              <a:t>Поиск мест одна из важнейших задач для создание бизнеса в с\х, это процесс может затянуться на несколько месяцев и потратить огромное кол-во ресурсов. Мой проект создается чтобы ускорить этот процесс и сэкономить деньги и время</a:t>
+            </a:r>
             <a:endParaRPr lang="ru-RU" dirty="0"/>
           </a:p>
         </p:txBody>
@@ -6383,7 +6297,7 @@
     </p:spTree>
     <p:extLst>
       <p:ext uri="{BB962C8B-B14F-4D97-AF65-F5344CB8AC3E}">
-        <p14:creationId xmlns:p14="http://schemas.microsoft.com/office/powerpoint/2010/main" val="3313005238"/>
+        <p14:creationId xmlns:p14="http://schemas.microsoft.com/office/powerpoint/2010/main" val="3838567632"/>
       </p:ext>
     </p:extLst>
   </p:cSld>
@@ -6427,7 +6341,7 @@
           <a:p>
             <a:r>
               <a:rPr lang="ru-RU" dirty="0" smtClean="0"/>
-              <a:t>Список параметров</a:t>
+              <a:t>Преимущества</a:t>
             </a:r>
             <a:endParaRPr lang="ru-RU" dirty="0"/>
           </a:p>
@@ -6446,121 +6360,22 @@
         <p:spPr/>
         <p:txBody>
           <a:bodyPr>
-            <a:normAutofit fontScale="55000" lnSpcReduction="20000"/>
+            <a:normAutofit/>
           </a:bodyPr>
           <a:lstStyle/>
           <a:p>
-            <a:pPr marL="0" indent="0">
-              <a:buNone/>
-            </a:pPr>
-            <a:r>
-              <a:rPr lang="ru-RU" b="1" dirty="0"/>
-              <a:t>Погодные параметры:</a:t>
-            </a:r>
-          </a:p>
-          <a:p>
             <a:r>
               <a:rPr lang="ru-RU" dirty="0"/>
-              <a:t>температура(макс, мин, средняя) за 2 недели,</a:t>
-            </a:r>
-          </a:p>
-          <a:p>
-            <a:r>
-              <a:rPr lang="ru-RU" dirty="0"/>
-              <a:t>ветреность,</a:t>
-            </a:r>
-          </a:p>
-          <a:p>
-            <a:r>
-              <a:rPr lang="ru-RU" dirty="0"/>
-              <a:t>облачность,</a:t>
-            </a:r>
-          </a:p>
-          <a:p>
-            <a:r>
-              <a:rPr lang="ru-RU" dirty="0"/>
-              <a:t>давление,</a:t>
-            </a:r>
-          </a:p>
-          <a:p>
-            <a:r>
-              <a:rPr lang="ru-RU" dirty="0"/>
-              <a:t>влажность,</a:t>
-            </a:r>
-          </a:p>
-          <a:p>
-            <a:r>
-              <a:rPr lang="ru-RU" dirty="0"/>
-              <a:t>тип погоды (дождь, облачно, солнечно) какие чаще встречаются</a:t>
-            </a:r>
-          </a:p>
-          <a:p>
-            <a:pPr marL="0" indent="0">
-              <a:buNone/>
-            </a:pPr>
-            <a:r>
-              <a:rPr lang="ru-RU" b="1" dirty="0" smtClean="0"/>
-              <a:t>Свойства </a:t>
-            </a:r>
-            <a:r>
-              <a:rPr lang="ru-RU" b="1" dirty="0"/>
-              <a:t>почвы:</a:t>
-            </a:r>
-          </a:p>
-          <a:p>
-            <a:r>
-              <a:rPr lang="ru-RU" dirty="0"/>
-              <a:t>Объемная плотность,</a:t>
-            </a:r>
-          </a:p>
-          <a:p>
-            <a:r>
-              <a:rPr lang="ru-RU" dirty="0"/>
-              <a:t>Катионный обмен,</a:t>
-            </a:r>
-          </a:p>
-          <a:p>
-            <a:r>
-              <a:rPr lang="ru-RU" dirty="0"/>
-              <a:t>Крупные фрагменты,</a:t>
-            </a:r>
-          </a:p>
-          <a:p>
-            <a:r>
-              <a:rPr lang="ru-RU" dirty="0" err="1"/>
-              <a:t>Нитрогены</a:t>
-            </a:r>
-            <a:r>
-              <a:rPr lang="ru-RU" dirty="0"/>
-              <a:t>,</a:t>
-            </a:r>
-          </a:p>
-          <a:p>
-            <a:r>
-              <a:rPr lang="en-US"/>
-              <a:t>Ph</a:t>
-            </a:r>
-            <a:r>
-              <a:rPr lang="ru-RU"/>
-              <a:t>,</a:t>
-            </a:r>
-          </a:p>
-          <a:p>
-            <a:r>
-              <a:rPr lang="ru-RU" dirty="0"/>
-              <a:t>Концентрация органического углерода,</a:t>
-            </a:r>
-          </a:p>
-          <a:p>
-            <a:r>
-              <a:rPr lang="ru-RU" dirty="0"/>
-              <a:t>Гравиметрическое содержание песка, ила и глины</a:t>
-            </a:r>
-          </a:p>
-          <a:p>
-            <a:pPr marL="0" indent="0">
-              <a:buNone/>
-            </a:pPr>
+              <a:t>Не нужно будет лично разъезжать по разным местам и проверять местность (почва, погода и т.д.). Пользователи смогут дистанционно быстро выбрать потенциально хорошие районы и сосредоточится на дальнейшем развитии. Например человек может приехать в удачный день, а в остальные дни там может быть плохая погода и наоборот.</a:t>
+            </a:r>
+          </a:p>
+          <a:p>
+            <a:r>
+              <a:rPr lang="ru-RU" dirty="0" smtClean="0"/>
+              <a:t>Также если хорошие места будут обладать рядом других недостатков, не связанные с виноградом, (проблема с логистикой и т.д.), можно будет найти места похуже и улучшить их вложившись туда. Например: на потенциальном поле для винограда, растут деревья, тогда достаточно будет вырубить их. Или на потенциальном поле для винограда, в почве будет мало песка, тогда нужно будет добавить побольше песка. Это все можно понять через наш сервис</a:t>
+            </a:r>
+          </a:p>
+          <a:p>
             <a:endParaRPr lang="ru-RU" dirty="0"/>
           </a:p>
         </p:txBody>
@@ -6568,7 +6383,7 @@
     </p:spTree>
     <p:extLst>
       <p:ext uri="{BB962C8B-B14F-4D97-AF65-F5344CB8AC3E}">
-        <p14:creationId xmlns:p14="http://schemas.microsoft.com/office/powerpoint/2010/main" val="503539671"/>
+        <p14:creationId xmlns:p14="http://schemas.microsoft.com/office/powerpoint/2010/main" val="688298097"/>
       </p:ext>
     </p:extLst>
   </p:cSld>
@@ -6602,145 +6417,94 @@
             <a:spLocks noGrp="1"/>
           </p:cNvSpPr>
           <p:nvPr>
-            <p:ph type="ctrTitle"/>
+            <p:ph type="title"/>
+          </p:nvPr>
+        </p:nvSpPr>
+        <p:spPr/>
+        <p:txBody>
+          <a:bodyPr/>
+          <a:lstStyle/>
+          <a:p>
+            <a:r>
+              <a:rPr lang="ru-RU" dirty="0" smtClean="0"/>
+              <a:t>Описание</a:t>
+            </a:r>
+            <a:endParaRPr lang="ru-RU" dirty="0"/>
+          </a:p>
+        </p:txBody>
+      </p:sp>
+      <p:sp>
+        <p:nvSpPr>
+          <p:cNvPr id="3" name="Объект 2"/>
+          <p:cNvSpPr>
+            <a:spLocks noGrp="1"/>
+          </p:cNvSpPr>
+          <p:nvPr>
+            <p:ph idx="1"/>
           </p:nvPr>
         </p:nvSpPr>
         <p:spPr>
           <a:xfrm>
-            <a:off x="1507067" y="787400"/>
-            <a:ext cx="7766936" cy="1646302"/>
+            <a:off x="723342" y="1296514"/>
+            <a:ext cx="8596668" cy="3880773"/>
           </a:xfrm>
         </p:spPr>
         <p:txBody>
           <a:bodyPr/>
           <a:lstStyle/>
           <a:p>
-            <a:pPr algn="l"/>
+            <a:pPr marL="0" indent="0">
+              <a:buNone/>
+            </a:pPr>
             <a:r>
               <a:rPr lang="ru-RU" dirty="0" smtClean="0"/>
-              <a:t>Рынок</a:t>
-            </a:r>
+              <a:t>Проект представляет из себя сайт с картой, на ней будет выделенный </a:t>
+            </a:r>
+            <a:r>
+              <a:rPr lang="ru-RU" dirty="0"/>
+              <a:t>район в котором будет множество </a:t>
+            </a:r>
+            <a:r>
+              <a:rPr lang="ru-RU" dirty="0" smtClean="0"/>
+              <a:t>квадратов, который содержит различные природные и почвенные характеристики. Также каждый квадрат будет обладать коэффициентом пригодности, который будет определяется через машинное обучение.</a:t>
+            </a:r>
+          </a:p>
+          <a:p>
+            <a:pPr marL="0" indent="0">
+              <a:buNone/>
+            </a:pPr>
             <a:endParaRPr lang="ru-RU" dirty="0"/>
           </a:p>
         </p:txBody>
       </p:sp>
-      <p:sp>
-        <p:nvSpPr>
-          <p:cNvPr id="3" name="Подзаголовок 2"/>
-          <p:cNvSpPr>
-            <a:spLocks noGrp="1"/>
-          </p:cNvSpPr>
-          <p:nvPr>
-            <p:ph type="subTitle" idx="1"/>
-          </p:nvPr>
-        </p:nvSpPr>
+      <p:pic>
+        <p:nvPicPr>
+          <p:cNvPr id="4" name="Рисунок 3"/>
+          <p:cNvPicPr>
+            <a:picLocks noChangeAspect="1"/>
+          </p:cNvPicPr>
+          <p:nvPr/>
+        </p:nvPicPr>
+        <p:blipFill>
+          <a:blip r:embed="rId2"/>
+          <a:stretch>
+            <a:fillRect/>
+          </a:stretch>
+        </p:blipFill>
         <p:spPr>
           <a:xfrm>
-            <a:off x="1447800" y="2734733"/>
-            <a:ext cx="7826203" cy="2412999"/>
+            <a:off x="2173857" y="2806461"/>
+            <a:ext cx="6029448" cy="3984923"/>
           </a:xfrm>
+          <a:prstGeom prst="rect">
+            <a:avLst/>
+          </a:prstGeom>
         </p:spPr>
-        <p:txBody>
-          <a:bodyPr>
-            <a:normAutofit fontScale="92500" lnSpcReduction="20000"/>
-          </a:bodyPr>
-          <a:lstStyle/>
-          <a:p>
-            <a:pPr marL="342900" indent="-342900" algn="l">
-              <a:buFont typeface="Arial" panose="020B0604020202020204" pitchFamily="34" charset="0"/>
-              <a:buChar char="•"/>
-            </a:pPr>
-            <a:r>
-              <a:rPr lang="ru-RU" dirty="0">
-                <a:solidFill>
-                  <a:schemeClr val="tx1"/>
-                </a:solidFill>
-              </a:rPr>
-              <a:t>Приложение поможет </a:t>
-            </a:r>
-            <a:r>
-              <a:rPr lang="ru-RU" dirty="0" smtClean="0">
-                <a:solidFill>
-                  <a:schemeClr val="tx1"/>
-                </a:solidFill>
-              </a:rPr>
-              <a:t>людям онлайн находить</a:t>
-            </a:r>
-            <a:r>
-              <a:rPr lang="ru-RU" dirty="0" smtClean="0">
-                <a:solidFill>
-                  <a:schemeClr val="tx1"/>
-                </a:solidFill>
-              </a:rPr>
-              <a:t> наилучшие места</a:t>
-            </a:r>
-            <a:r>
-              <a:rPr lang="ru-RU" dirty="0" smtClean="0">
-                <a:solidFill>
-                  <a:schemeClr val="tx1"/>
-                </a:solidFill>
-              </a:rPr>
-              <a:t>, для выращивание винограда. </a:t>
-            </a:r>
-          </a:p>
-          <a:p>
-            <a:pPr marL="342900" indent="-342900" algn="l">
-              <a:buFont typeface="Arial" panose="020B0604020202020204" pitchFamily="34" charset="0"/>
-              <a:buChar char="•"/>
-            </a:pPr>
-            <a:r>
-              <a:rPr lang="ru-RU" dirty="0" smtClean="0">
-                <a:solidFill>
-                  <a:schemeClr val="tx1"/>
-                </a:solidFill>
-              </a:rPr>
-              <a:t>Проект оригинальный, в открытых источниках информации о конкурентах найти не смог.</a:t>
-            </a:r>
-            <a:r>
-              <a:rPr lang="ru-RU" dirty="0">
-                <a:solidFill>
-                  <a:schemeClr val="tx1"/>
-                </a:solidFill>
-              </a:rPr>
-              <a:t> </a:t>
-            </a:r>
-            <a:r>
-              <a:rPr lang="ru-RU" dirty="0" smtClean="0">
-                <a:solidFill>
-                  <a:schemeClr val="tx1"/>
-                </a:solidFill>
-              </a:rPr>
-              <a:t>Существуют различные сервисы которые показывает различные погодные или почвенные данные, но эти сервисы не дают информацию насколько это место пригодно для выращивания культур </a:t>
-            </a:r>
-          </a:p>
-          <a:p>
-            <a:pPr marL="342900" indent="-342900" algn="l">
-              <a:buFont typeface="Arial" panose="020B0604020202020204" pitchFamily="34" charset="0"/>
-              <a:buChar char="•"/>
-            </a:pPr>
-            <a:r>
-              <a:rPr lang="ru-RU" dirty="0" smtClean="0">
-                <a:solidFill>
-                  <a:schemeClr val="tx1"/>
-                </a:solidFill>
-              </a:rPr>
-              <a:t>В будущем проект можно расширить и использовать для поиска мест других культур</a:t>
-            </a:r>
-            <a:endParaRPr lang="ru-RU" dirty="0">
-              <a:solidFill>
-                <a:schemeClr val="tx1"/>
-              </a:solidFill>
-            </a:endParaRPr>
-          </a:p>
-          <a:p>
-            <a:endParaRPr lang="ru-RU" dirty="0"/>
-          </a:p>
-        </p:txBody>
-      </p:sp>
+      </p:pic>
     </p:spTree>
     <p:extLst>
       <p:ext uri="{BB962C8B-B14F-4D97-AF65-F5344CB8AC3E}">
-        <p14:creationId xmlns:p14="http://schemas.microsoft.com/office/powerpoint/2010/main" val="3573121597"/>
+        <p14:creationId xmlns:p14="http://schemas.microsoft.com/office/powerpoint/2010/main" val="3313005238"/>
       </p:ext>
     </p:extLst>
   </p:cSld>
@@ -6784,7 +6548,7 @@
           <a:p>
             <a:r>
               <a:rPr lang="ru-RU" dirty="0" smtClean="0"/>
-              <a:t>Преимущества</a:t>
+              <a:t>Как будет определятся схожесть</a:t>
             </a:r>
             <a:endParaRPr lang="ru-RU" dirty="0"/>
           </a:p>
@@ -6802,23 +6566,16 @@
         </p:nvSpPr>
         <p:spPr/>
         <p:txBody>
-          <a:bodyPr>
-            <a:normAutofit/>
-          </a:bodyPr>
-          <a:lstStyle/>
-          <a:p>
-            <a:r>
-              <a:rPr lang="ru-RU" dirty="0"/>
-              <a:t>Не нужно будет лично разъезжать по разным местам и проверять местность (почва, погода и т.д.). Пользователи смогут дистанционно быстро выбрать потенциально хорошие районы и сосредоточится на дальнейшем развитии. Например человек может приехать в удачный день, а в остальные дни там может быть плохая погода и наоборот.</a:t>
-            </a:r>
-          </a:p>
-          <a:p>
+          <a:bodyPr/>
+          <a:lstStyle/>
+          <a:p>
+            <a:pPr marL="0" indent="0">
+              <a:buNone/>
+            </a:pPr>
             <a:r>
               <a:rPr lang="ru-RU" dirty="0" smtClean="0"/>
-              <a:t>Также если хорошие места будут обладать рядом других недостатков, не связанные с виноградом, (проблема с логистикой и т.д.), можно будет найти места похуже и улучшить их вложившись туда. Например: на потенциальном поле для винограда, растут деревья, тогда достаточно будет вырубить их. Или на потенциальном поле для винограда, в почве будет мало песка, тогда нужно будет добавить побольше песка. Это все можно понять через наш сервис</a:t>
-            </a:r>
-          </a:p>
-          <a:p>
+              <a:t>Для начало мы собираем данные где уже долгое время растет виноград и где он не растет либо не может расти. Данные представляют из себя погодные и почвенные характеристики. На этих данные мы обучаем модель, которая далее будет использоваться для получение коэффициента похожести</a:t>
+            </a:r>
             <a:endParaRPr lang="ru-RU" dirty="0"/>
           </a:p>
         </p:txBody>
@@ -6826,7 +6583,7 @@
     </p:spTree>
     <p:extLst>
       <p:ext uri="{BB962C8B-B14F-4D97-AF65-F5344CB8AC3E}">
-        <p14:creationId xmlns:p14="http://schemas.microsoft.com/office/powerpoint/2010/main" val="688298097"/>
+        <p14:creationId xmlns:p14="http://schemas.microsoft.com/office/powerpoint/2010/main" val="3803091964"/>
       </p:ext>
     </p:extLst>
   </p:cSld>
@@ -6870,7 +6627,7 @@
           <a:p>
             <a:r>
               <a:rPr lang="ru-RU" dirty="0" smtClean="0"/>
-              <a:t>Как будет определятся схожесть</a:t>
+              <a:t>Список параметров</a:t>
             </a:r>
             <a:endParaRPr lang="ru-RU" dirty="0"/>
           </a:p>
@@ -6888,16 +6645,122 @@
         </p:nvSpPr>
         <p:spPr/>
         <p:txBody>
-          <a:bodyPr/>
+          <a:bodyPr>
+            <a:normAutofit fontScale="55000" lnSpcReduction="20000"/>
+          </a:bodyPr>
           <a:lstStyle/>
           <a:p>
             <a:pPr marL="0" indent="0">
               <a:buNone/>
             </a:pPr>
             <a:r>
-              <a:rPr lang="ru-RU" dirty="0" smtClean="0"/>
-              <a:t>Будет использовать машинное обучение и 5000 квадратов 250х250 где уже долгое время растет виноград. Мы получим погодные и почвенные характеристики этих квадратов и обучим модель. Через модель будет оцениваться потенциальное место для выращивания винограда</a:t>
-            </a:r>
+              <a:rPr lang="ru-RU" b="1" dirty="0"/>
+              <a:t>Погодные параметры:</a:t>
+            </a:r>
+          </a:p>
+          <a:p>
+            <a:r>
+              <a:rPr lang="ru-RU" dirty="0"/>
+              <a:t>температура(макс, мин, средняя) за 2 недели,</a:t>
+            </a:r>
+          </a:p>
+          <a:p>
+            <a:r>
+              <a:rPr lang="ru-RU" dirty="0"/>
+              <a:t>ветреность,</a:t>
+            </a:r>
+          </a:p>
+          <a:p>
+            <a:r>
+              <a:rPr lang="ru-RU" dirty="0"/>
+              <a:t>облачность,</a:t>
+            </a:r>
+          </a:p>
+          <a:p>
+            <a:r>
+              <a:rPr lang="ru-RU" dirty="0"/>
+              <a:t>давление,</a:t>
+            </a:r>
+          </a:p>
+          <a:p>
+            <a:r>
+              <a:rPr lang="ru-RU" dirty="0"/>
+              <a:t>влажность,</a:t>
+            </a:r>
+          </a:p>
+          <a:p>
+            <a:r>
+              <a:rPr lang="ru-RU" dirty="0"/>
+              <a:t>тип погоды (дождь, облачно, солнечно) какие чаще встречаются</a:t>
+            </a:r>
+          </a:p>
+          <a:p>
+            <a:pPr marL="0" indent="0">
+              <a:buNone/>
+            </a:pPr>
+            <a:r>
+              <a:rPr lang="ru-RU" b="1" dirty="0" smtClean="0"/>
+              <a:t>Свойства </a:t>
+            </a:r>
+            <a:r>
+              <a:rPr lang="ru-RU" b="1" dirty="0"/>
+              <a:t>почвы:</a:t>
+            </a:r>
+          </a:p>
+          <a:p>
+            <a:r>
+              <a:rPr lang="ru-RU" dirty="0"/>
+              <a:t>Объемная плотность,</a:t>
+            </a:r>
+          </a:p>
+          <a:p>
+            <a:r>
+              <a:rPr lang="ru-RU" dirty="0"/>
+              <a:t>Катионный обмен,</a:t>
+            </a:r>
+          </a:p>
+          <a:p>
+            <a:r>
+              <a:rPr lang="ru-RU" dirty="0"/>
+              <a:t>Крупные фрагменты,</a:t>
+            </a:r>
+          </a:p>
+          <a:p>
+            <a:r>
+              <a:rPr lang="ru-RU" dirty="0" err="1"/>
+              <a:t>Нитрогены</a:t>
+            </a:r>
+            <a:r>
+              <a:rPr lang="ru-RU" dirty="0"/>
+              <a:t>,</a:t>
+            </a:r>
+          </a:p>
+          <a:p>
+            <a:r>
+              <a:rPr lang="en-US"/>
+              <a:t>Ph</a:t>
+            </a:r>
+            <a:r>
+              <a:rPr lang="ru-RU"/>
+              <a:t>,</a:t>
+            </a:r>
+          </a:p>
+          <a:p>
+            <a:r>
+              <a:rPr lang="ru-RU" dirty="0"/>
+              <a:t>Концентрация органического углерода,</a:t>
+            </a:r>
+          </a:p>
+          <a:p>
+            <a:r>
+              <a:rPr lang="ru-RU" dirty="0"/>
+              <a:t>Гравиметрическое содержание песка, ила и глины</a:t>
+            </a:r>
+          </a:p>
+          <a:p>
+            <a:pPr marL="0" indent="0">
+              <a:buNone/>
+            </a:pPr>
             <a:endParaRPr lang="ru-RU" dirty="0"/>
           </a:p>
         </p:txBody>
@@ -6905,7 +6768,7 @@
     </p:spTree>
     <p:extLst>
       <p:ext uri="{BB962C8B-B14F-4D97-AF65-F5344CB8AC3E}">
-        <p14:creationId xmlns:p14="http://schemas.microsoft.com/office/powerpoint/2010/main" val="3803091964"/>
+        <p14:creationId xmlns:p14="http://schemas.microsoft.com/office/powerpoint/2010/main" val="503539671"/>
       </p:ext>
     </p:extLst>
   </p:cSld>
@@ -6932,51 +6795,150 @@
           <a:chExt cx="0" cy="0"/>
         </a:xfrm>
       </p:grpSpPr>
-      <p:pic>
-        <p:nvPicPr>
-          <p:cNvPr id="1026" name="Picture 2" descr="https://sun9-west.userapi.com/sun9-52/s/v1/ig2/jq77UI4T-XSk5xMYsVmddF9kGc6oBGGNXfS1I2eIput4e_SlwLNM9PXb8JiYQHeW-vqTRX3GRVBcOcez1PnkbyTn.jpg?size=2560x1355&amp;quality=96&amp;type=album"/>
-          <p:cNvPicPr>
-            <a:picLocks noChangeAspect="1" noChangeArrowheads="1"/>
-          </p:cNvPicPr>
-          <p:nvPr/>
-        </p:nvPicPr>
-        <p:blipFill>
-          <a:blip r:embed="rId3">
-            <a:extLst>
-              <a:ext uri="{28A0092B-C50C-407E-A947-70E740481C1C}">
-                <a14:useLocalDpi xmlns:a14="http://schemas.microsoft.com/office/drawing/2010/main" val="0"/>
-              </a:ext>
-            </a:extLst>
-          </a:blip>
-          <a:srcRect/>
-          <a:stretch>
-            <a:fillRect/>
-          </a:stretch>
-        </p:blipFill>
-        <p:spPr bwMode="auto">
+      <p:sp>
+        <p:nvSpPr>
+          <p:cNvPr id="2" name="Заголовок 1"/>
+          <p:cNvSpPr>
+            <a:spLocks noGrp="1"/>
+          </p:cNvSpPr>
+          <p:nvPr>
+            <p:ph type="ctrTitle"/>
+          </p:nvPr>
+        </p:nvSpPr>
+        <p:spPr>
           <a:xfrm>
-            <a:off x="78185" y="84220"/>
-            <a:ext cx="12113815" cy="6773779"/>
+            <a:off x="1507067" y="787400"/>
+            <a:ext cx="7766936" cy="1646302"/>
           </a:xfrm>
-          <a:prstGeom prst="rect">
-            <a:avLst/>
-          </a:prstGeom>
-          <a:noFill/>
-          <a:extLst>
-            <a:ext uri="{909E8E84-426E-40DD-AFC4-6F175D3DCCD1}">
-              <a14:hiddenFill xmlns:a14="http://schemas.microsoft.com/office/drawing/2010/main">
-                <a:solidFill>
-                  <a:srgbClr val="FFFFFF"/>
-                </a:solidFill>
-              </a14:hiddenFill>
-            </a:ext>
-          </a:extLst>
         </p:spPr>
-      </p:pic>
+        <p:txBody>
+          <a:bodyPr/>
+          <a:lstStyle/>
+          <a:p>
+            <a:pPr algn="l"/>
+            <a:r>
+              <a:rPr lang="ru-RU" dirty="0" smtClean="0"/>
+              <a:t>Рынок</a:t>
+            </a:r>
+            <a:endParaRPr lang="ru-RU" dirty="0"/>
+          </a:p>
+        </p:txBody>
+      </p:sp>
+      <p:sp>
+        <p:nvSpPr>
+          <p:cNvPr id="3" name="Подзаголовок 2"/>
+          <p:cNvSpPr>
+            <a:spLocks noGrp="1"/>
+          </p:cNvSpPr>
+          <p:nvPr>
+            <p:ph type="subTitle" idx="1"/>
+          </p:nvPr>
+        </p:nvSpPr>
+        <p:spPr>
+          <a:xfrm>
+            <a:off x="1447800" y="2734733"/>
+            <a:ext cx="7826203" cy="2412999"/>
+          </a:xfrm>
+        </p:spPr>
+        <p:txBody>
+          <a:bodyPr>
+            <a:normAutofit fontScale="85000" lnSpcReduction="10000"/>
+          </a:bodyPr>
+          <a:lstStyle/>
+          <a:p>
+            <a:pPr marL="342900" indent="-342900" algn="l">
+              <a:buFont typeface="Arial" panose="020B0604020202020204" pitchFamily="34" charset="0"/>
+              <a:buChar char="•"/>
+            </a:pPr>
+            <a:r>
+              <a:rPr lang="ru-RU" dirty="0">
+                <a:solidFill>
+                  <a:schemeClr val="tx1"/>
+                </a:solidFill>
+              </a:rPr>
+              <a:t>Приложение </a:t>
+            </a:r>
+            <a:r>
+              <a:rPr lang="ru-RU" dirty="0" smtClean="0">
+                <a:solidFill>
+                  <a:schemeClr val="tx1"/>
+                </a:solidFill>
+              </a:rPr>
+              <a:t>помогает находить наилучшие места, для сельского хозяйства. </a:t>
+            </a:r>
+          </a:p>
+          <a:p>
+            <a:pPr marL="342900" indent="-342900" algn="l">
+              <a:buFont typeface="Arial" panose="020B0604020202020204" pitchFamily="34" charset="0"/>
+              <a:buChar char="•"/>
+            </a:pPr>
+            <a:r>
+              <a:rPr lang="ru-RU" dirty="0" smtClean="0">
+                <a:solidFill>
+                  <a:schemeClr val="tx1"/>
+                </a:solidFill>
+              </a:rPr>
+              <a:t>Этим приложение могут пользоваться как обычные люди так и фирмы помогающие им в создание с\х бизнеса</a:t>
+            </a:r>
+          </a:p>
+          <a:p>
+            <a:pPr marL="342900" indent="-342900" algn="l">
+              <a:buFont typeface="Arial" panose="020B0604020202020204" pitchFamily="34" charset="0"/>
+              <a:buChar char="•"/>
+            </a:pPr>
+            <a:r>
+              <a:rPr lang="ru-RU" dirty="0" smtClean="0">
+                <a:solidFill>
+                  <a:schemeClr val="tx1"/>
+                </a:solidFill>
+              </a:rPr>
+              <a:t>Проект оригинальный, в открытых источниках информации о конкурентах найти не смог.</a:t>
+            </a:r>
+            <a:r>
+              <a:rPr lang="ru-RU" dirty="0">
+                <a:solidFill>
+                  <a:schemeClr val="tx1"/>
+                </a:solidFill>
+              </a:rPr>
+              <a:t> </a:t>
+            </a:r>
+            <a:r>
+              <a:rPr lang="ru-RU" dirty="0" smtClean="0">
+                <a:solidFill>
+                  <a:schemeClr val="tx1"/>
+                </a:solidFill>
+              </a:rPr>
+              <a:t>Существуют различные сервисы которые показывает различные погодные или почвенные данные, но эти сервисы не дают информацию насколько это место пригодно для выращивания культур </a:t>
+            </a:r>
+          </a:p>
+          <a:p>
+            <a:pPr marL="342900" indent="-342900" algn="l">
+              <a:buFont typeface="Arial" panose="020B0604020202020204" pitchFamily="34" charset="0"/>
+              <a:buChar char="•"/>
+            </a:pPr>
+            <a:r>
+              <a:rPr lang="ru-RU" dirty="0" smtClean="0">
+                <a:solidFill>
+                  <a:schemeClr val="tx1"/>
+                </a:solidFill>
+              </a:rPr>
+              <a:t>В будущем проект можно расширить и использовать для поиска мест других культур</a:t>
+            </a:r>
+            <a:endParaRPr lang="ru-RU" dirty="0">
+              <a:solidFill>
+                <a:schemeClr val="tx1"/>
+              </a:solidFill>
+            </a:endParaRPr>
+          </a:p>
+          <a:p>
+            <a:endParaRPr lang="ru-RU" dirty="0"/>
+          </a:p>
+        </p:txBody>
+      </p:sp>
     </p:spTree>
     <p:extLst>
       <p:ext uri="{BB962C8B-B14F-4D97-AF65-F5344CB8AC3E}">
-        <p14:creationId xmlns:p14="http://schemas.microsoft.com/office/powerpoint/2010/main" val="1690460261"/>
+        <p14:creationId xmlns:p14="http://schemas.microsoft.com/office/powerpoint/2010/main" val="3573121597"/>
       </p:ext>
     </p:extLst>
   </p:cSld>
@@ -7003,34 +6965,73 @@
           <a:chExt cx="0" cy="0"/>
         </a:xfrm>
       </p:grpSpPr>
-      <p:pic>
-        <p:nvPicPr>
-          <p:cNvPr id="3" name="Рисунок 2"/>
-          <p:cNvPicPr>
-            <a:picLocks noChangeAspect="1"/>
-          </p:cNvPicPr>
-          <p:nvPr/>
-        </p:nvPicPr>
-        <p:blipFill>
-          <a:blip r:embed="rId2"/>
-          <a:stretch>
-            <a:fillRect/>
-          </a:stretch>
-        </p:blipFill>
-        <p:spPr>
-          <a:xfrm>
-            <a:off x="4124651" y="0"/>
-            <a:ext cx="3942698" cy="6858000"/>
-          </a:xfrm>
-          <a:prstGeom prst="rect">
-            <a:avLst/>
-          </a:prstGeom>
-        </p:spPr>
-      </p:pic>
+      <p:sp>
+        <p:nvSpPr>
+          <p:cNvPr id="2" name="Заголовок 1"/>
+          <p:cNvSpPr>
+            <a:spLocks noGrp="1"/>
+          </p:cNvSpPr>
+          <p:nvPr>
+            <p:ph type="title"/>
+          </p:nvPr>
+        </p:nvSpPr>
+        <p:spPr/>
+        <p:txBody>
+          <a:bodyPr/>
+          <a:lstStyle/>
+          <a:p>
+            <a:r>
+              <a:rPr lang="ru-RU" dirty="0" smtClean="0"/>
+              <a:t>Финансирование</a:t>
+            </a:r>
+            <a:endParaRPr lang="ru-RU" dirty="0"/>
+          </a:p>
+        </p:txBody>
+      </p:sp>
+      <p:sp>
+        <p:nvSpPr>
+          <p:cNvPr id="3" name="Объект 2"/>
+          <p:cNvSpPr>
+            <a:spLocks noGrp="1"/>
+          </p:cNvSpPr>
+          <p:nvPr>
+            <p:ph idx="1"/>
+          </p:nvPr>
+        </p:nvSpPr>
+        <p:spPr/>
+        <p:txBody>
+          <a:bodyPr/>
+          <a:lstStyle/>
+          <a:p>
+            <a:r>
+              <a:rPr lang="ru-RU" dirty="0" smtClean="0"/>
+              <a:t>Получение прибыли по подписке которая расширяет функционал</a:t>
+            </a:r>
+          </a:p>
+          <a:p>
+            <a:r>
+              <a:rPr lang="ru-RU" dirty="0" smtClean="0"/>
+              <a:t>Предоставление еще более расширенного функционала коммерческим </a:t>
+            </a:r>
+            <a:r>
+              <a:rPr lang="ru-RU" dirty="0" smtClean="0"/>
+              <a:t>фирмам</a:t>
+            </a:r>
+            <a:endParaRPr lang="en-US" dirty="0" smtClean="0"/>
+          </a:p>
+          <a:p>
+            <a:r>
+              <a:rPr lang="ru-RU" smtClean="0"/>
+              <a:t>Реклама</a:t>
+            </a:r>
+            <a:endParaRPr lang="ru-RU" dirty="0"/>
+          </a:p>
+        </p:txBody>
+      </p:sp>
     </p:spTree>
     <p:extLst>
       <p:ext uri="{BB962C8B-B14F-4D97-AF65-F5344CB8AC3E}">
-        <p14:creationId xmlns:p14="http://schemas.microsoft.com/office/powerpoint/2010/main" val="3996127024"/>
+        <p14:creationId xmlns:p14="http://schemas.microsoft.com/office/powerpoint/2010/main" val="2495640375"/>
       </p:ext>
     </p:extLst>
   </p:cSld>
